--- a/CAM instructions/CAMEL_Instrunctions_EN_long.pptx
+++ b/CAM instructions/CAMEL_Instrunctions_EN_long.pptx
@@ -222,7 +222,7 @@
           <a:p>
             <a:fld id="{90F0EB0E-A88A-431C-88AB-79E37D3C9D03}" type="datetimeFigureOut">
               <a:rPr lang="de-DE" smtClean="0"/>
-              <a:t>04.09.2023</a:t>
+              <a:t>08.11.2023</a:t>
             </a:fld>
             <a:endParaRPr lang="de-DE"/>
           </a:p>
@@ -702,7 +702,7 @@
           <a:p>
             <a:fld id="{1BE4C64B-2A49-4120-8B7B-5E6F42237637}" type="datetimeFigureOut">
               <a:rPr lang="de-DE" smtClean="0"/>
-              <a:t>04.09.2023</a:t>
+              <a:t>08.11.2023</a:t>
             </a:fld>
             <a:endParaRPr lang="de-DE" dirty="0"/>
           </a:p>
@@ -870,7 +870,7 @@
           <a:p>
             <a:fld id="{1BE4C64B-2A49-4120-8B7B-5E6F42237637}" type="datetimeFigureOut">
               <a:rPr lang="de-DE" smtClean="0"/>
-              <a:t>04.09.2023</a:t>
+              <a:t>08.11.2023</a:t>
             </a:fld>
             <a:endParaRPr lang="de-DE" dirty="0"/>
           </a:p>
@@ -1048,7 +1048,7 @@
           <a:p>
             <a:fld id="{1BE4C64B-2A49-4120-8B7B-5E6F42237637}" type="datetimeFigureOut">
               <a:rPr lang="de-DE" smtClean="0"/>
-              <a:t>04.09.2023</a:t>
+              <a:t>08.11.2023</a:t>
             </a:fld>
             <a:endParaRPr lang="de-DE" dirty="0"/>
           </a:p>
@@ -1216,7 +1216,7 @@
           <a:p>
             <a:fld id="{1BE4C64B-2A49-4120-8B7B-5E6F42237637}" type="datetimeFigureOut">
               <a:rPr lang="de-DE" smtClean="0"/>
-              <a:t>04.09.2023</a:t>
+              <a:t>08.11.2023</a:t>
             </a:fld>
             <a:endParaRPr lang="de-DE" dirty="0"/>
           </a:p>
@@ -1461,7 +1461,7 @@
           <a:p>
             <a:fld id="{1BE4C64B-2A49-4120-8B7B-5E6F42237637}" type="datetimeFigureOut">
               <a:rPr lang="de-DE" smtClean="0"/>
-              <a:t>04.09.2023</a:t>
+              <a:t>08.11.2023</a:t>
             </a:fld>
             <a:endParaRPr lang="de-DE" dirty="0"/>
           </a:p>
@@ -1690,7 +1690,7 @@
           <a:p>
             <a:fld id="{1BE4C64B-2A49-4120-8B7B-5E6F42237637}" type="datetimeFigureOut">
               <a:rPr lang="de-DE" smtClean="0"/>
-              <a:t>04.09.2023</a:t>
+              <a:t>08.11.2023</a:t>
             </a:fld>
             <a:endParaRPr lang="de-DE" dirty="0"/>
           </a:p>
@@ -2054,7 +2054,7 @@
           <a:p>
             <a:fld id="{1BE4C64B-2A49-4120-8B7B-5E6F42237637}" type="datetimeFigureOut">
               <a:rPr lang="de-DE" smtClean="0"/>
-              <a:t>04.09.2023</a:t>
+              <a:t>08.11.2023</a:t>
             </a:fld>
             <a:endParaRPr lang="de-DE" dirty="0"/>
           </a:p>
@@ -2171,7 +2171,7 @@
           <a:p>
             <a:fld id="{1BE4C64B-2A49-4120-8B7B-5E6F42237637}" type="datetimeFigureOut">
               <a:rPr lang="de-DE" smtClean="0"/>
-              <a:t>04.09.2023</a:t>
+              <a:t>08.11.2023</a:t>
             </a:fld>
             <a:endParaRPr lang="de-DE" dirty="0"/>
           </a:p>
@@ -2266,7 +2266,7 @@
           <a:p>
             <a:fld id="{1BE4C64B-2A49-4120-8B7B-5E6F42237637}" type="datetimeFigureOut">
               <a:rPr lang="de-DE" smtClean="0"/>
-              <a:t>04.09.2023</a:t>
+              <a:t>08.11.2023</a:t>
             </a:fld>
             <a:endParaRPr lang="de-DE" dirty="0"/>
           </a:p>
@@ -2541,7 +2541,7 @@
           <a:p>
             <a:fld id="{1BE4C64B-2A49-4120-8B7B-5E6F42237637}" type="datetimeFigureOut">
               <a:rPr lang="de-DE" smtClean="0"/>
-              <a:t>04.09.2023</a:t>
+              <a:t>08.11.2023</a:t>
             </a:fld>
             <a:endParaRPr lang="de-DE" dirty="0"/>
           </a:p>
@@ -2793,7 +2793,7 @@
           <a:p>
             <a:fld id="{1BE4C64B-2A49-4120-8B7B-5E6F42237637}" type="datetimeFigureOut">
               <a:rPr lang="de-DE" smtClean="0"/>
-              <a:t>04.09.2023</a:t>
+              <a:t>08.11.2023</a:t>
             </a:fld>
             <a:endParaRPr lang="de-DE" dirty="0"/>
           </a:p>
@@ -3013,7 +3013,7 @@
           <a:p>
             <a:fld id="{1BE4C64B-2A49-4120-8B7B-5E6F42237637}" type="datetimeFigureOut">
               <a:rPr lang="de-DE" smtClean="0"/>
-              <a:t>04.09.2023</a:t>
+              <a:t>08.11.2023</a:t>
             </a:fld>
             <a:endParaRPr lang="de-DE" dirty="0"/>
           </a:p>
@@ -3433,7 +3433,7 @@
         <p:spPr>
           <a:xfrm>
             <a:off x="720082" y="1406133"/>
-            <a:ext cx="10137215" cy="2246769"/>
+            <a:ext cx="10137215" cy="1815882"/>
           </a:xfrm>
           <a:prstGeom prst="rect">
             <a:avLst/>
@@ -3468,10 +3468,12 @@
             </a:r>
             <a:r>
               <a:rPr lang="en-US" sz="2800" dirty="0"/>
-              <a:t>. The following instructions will help you to understand how to use this tool. </a:t>
-            </a:r>
-          </a:p>
-          <a:p>
+              <a:t>. The following instructions will help you to understand how to use this </a:t>
+            </a:r>
+            <a:r>
+              <a:rPr lang="en-US" sz="2800"/>
+              <a:t>tool.</a:t>
+            </a:r>
             <a:endParaRPr lang="en-US" sz="2800" dirty="0"/>
           </a:p>
         </p:txBody>
